--- a/1. 발표자료(PPT)/20241121_인공지능, AI시대와 생존전략/인공지능, AI시대와 생존전략.pptx
+++ b/1. 발표자료(PPT)/20241121_인공지능, AI시대와 생존전략/인공지능, AI시대와 생존전략.pptx
@@ -6,6 +6,12 @@
   </p:sldMasterIdLst>
   <p:sldIdLst>
     <p:sldId id="256" r:id="rId2"/>
+    <p:sldId id="257" r:id="rId3"/>
+    <p:sldId id="258" r:id="rId4"/>
+    <p:sldId id="259" r:id="rId5"/>
+    <p:sldId id="260" r:id="rId6"/>
+    <p:sldId id="261" r:id="rId7"/>
+    <p:sldId id="262" r:id="rId8"/>
   </p:sldIdLst>
   <p:sldSz cx="12192000" cy="6858000"/>
   <p:notesSz cx="6858000" cy="9144000"/>
@@ -270,7 +276,7 @@
           <a:p>
             <a:fld id="{81E464DA-E57D-4306-9AB3-F724B27A4879}" type="datetimeFigureOut">
               <a:rPr lang="ko-KR" altLang="en-US" smtClean="0"/>
-              <a:t>2024-11-11</a:t>
+              <a:t>2024-11-12</a:t>
             </a:fld>
             <a:endParaRPr lang="ko-KR" altLang="en-US"/>
           </a:p>
@@ -340,6 +346,22 @@
   <p:clrMapOvr>
     <a:masterClrMapping/>
   </p:clrMapOvr>
+  <p:extLst>
+    <p:ext uri="{DCECCB84-F9BA-43D5-87BE-67443E8EF086}">
+      <p15:sldGuideLst xmlns:p15="http://schemas.microsoft.com/office/powerpoint/2012/main">
+        <p15:guide id="1" orient="horz" pos="2160" userDrawn="1">
+          <p15:clr>
+            <a:srgbClr val="FBAE40"/>
+          </p15:clr>
+        </p15:guide>
+        <p15:guide id="2" pos="3840" userDrawn="1">
+          <p15:clr>
+            <a:srgbClr val="FBAE40"/>
+          </p15:clr>
+        </p15:guide>
+      </p15:sldGuideLst>
+    </p:ext>
+  </p:extLst>
 </p:sldLayout>
 </file>
 
@@ -468,7 +490,7 @@
           <a:p>
             <a:fld id="{81E464DA-E57D-4306-9AB3-F724B27A4879}" type="datetimeFigureOut">
               <a:rPr lang="ko-KR" altLang="en-US" smtClean="0"/>
-              <a:t>2024-11-11</a:t>
+              <a:t>2024-11-12</a:t>
             </a:fld>
             <a:endParaRPr lang="ko-KR" altLang="en-US"/>
           </a:p>
@@ -676,7 +698,7 @@
           <a:p>
             <a:fld id="{81E464DA-E57D-4306-9AB3-F724B27A4879}" type="datetimeFigureOut">
               <a:rPr lang="ko-KR" altLang="en-US" smtClean="0"/>
-              <a:t>2024-11-11</a:t>
+              <a:t>2024-11-12</a:t>
             </a:fld>
             <a:endParaRPr lang="ko-KR" altLang="en-US"/>
           </a:p>
@@ -788,7 +810,7 @@
           <a:lstStyle/>
           <a:p>
             <a:r>
-              <a:rPr lang="ko-KR" altLang="en-US"/>
+              <a:rPr lang="ko-KR" altLang="en-US" dirty="0"/>
               <a:t>마스터 제목 스타일 편집</a:t>
             </a:r>
           </a:p>
@@ -874,7 +896,7 @@
           <a:p>
             <a:fld id="{81E464DA-E57D-4306-9AB3-F724B27A4879}" type="datetimeFigureOut">
               <a:rPr lang="ko-KR" altLang="en-US" smtClean="0"/>
-              <a:t>2024-11-11</a:t>
+              <a:t>2024-11-12</a:t>
             </a:fld>
             <a:endParaRPr lang="ko-KR" altLang="en-US"/>
           </a:p>
@@ -944,6 +966,22 @@
   <p:clrMapOvr>
     <a:masterClrMapping/>
   </p:clrMapOvr>
+  <p:extLst>
+    <p:ext uri="{DCECCB84-F9BA-43D5-87BE-67443E8EF086}">
+      <p15:sldGuideLst xmlns:p15="http://schemas.microsoft.com/office/powerpoint/2012/main">
+        <p15:guide id="1" orient="horz" pos="2160" userDrawn="1">
+          <p15:clr>
+            <a:srgbClr val="FBAE40"/>
+          </p15:clr>
+        </p15:guide>
+        <p15:guide id="2" pos="3840" userDrawn="1">
+          <p15:clr>
+            <a:srgbClr val="FBAE40"/>
+          </p15:clr>
+        </p15:guide>
+      </p15:sldGuideLst>
+    </p:ext>
+  </p:extLst>
 </p:sldLayout>
 </file>
 
@@ -1149,7 +1187,7 @@
           <a:p>
             <a:fld id="{81E464DA-E57D-4306-9AB3-F724B27A4879}" type="datetimeFigureOut">
               <a:rPr lang="ko-KR" altLang="en-US" smtClean="0"/>
-              <a:t>2024-11-11</a:t>
+              <a:t>2024-11-12</a:t>
             </a:fld>
             <a:endParaRPr lang="ko-KR" altLang="en-US"/>
           </a:p>
@@ -1219,6 +1257,22 @@
   <p:clrMapOvr>
     <a:masterClrMapping/>
   </p:clrMapOvr>
+  <p:extLst>
+    <p:ext uri="{DCECCB84-F9BA-43D5-87BE-67443E8EF086}">
+      <p15:sldGuideLst xmlns:p15="http://schemas.microsoft.com/office/powerpoint/2012/main">
+        <p15:guide id="1" orient="horz" pos="2160" userDrawn="1">
+          <p15:clr>
+            <a:srgbClr val="FBAE40"/>
+          </p15:clr>
+        </p15:guide>
+        <p15:guide id="2" pos="3840" userDrawn="1">
+          <p15:clr>
+            <a:srgbClr val="FBAE40"/>
+          </p15:clr>
+        </p15:guide>
+      </p15:sldGuideLst>
+    </p:ext>
+  </p:extLst>
 </p:sldLayout>
 </file>
 
@@ -1414,7 +1468,7 @@
           <a:p>
             <a:fld id="{81E464DA-E57D-4306-9AB3-F724B27A4879}" type="datetimeFigureOut">
               <a:rPr lang="ko-KR" altLang="en-US" smtClean="0"/>
-              <a:t>2024-11-11</a:t>
+              <a:t>2024-11-12</a:t>
             </a:fld>
             <a:endParaRPr lang="ko-KR" altLang="en-US"/>
           </a:p>
@@ -1484,6 +1538,22 @@
   <p:clrMapOvr>
     <a:masterClrMapping/>
   </p:clrMapOvr>
+  <p:extLst>
+    <p:ext uri="{DCECCB84-F9BA-43D5-87BE-67443E8EF086}">
+      <p15:sldGuideLst xmlns:p15="http://schemas.microsoft.com/office/powerpoint/2012/main">
+        <p15:guide id="1" orient="horz" pos="2160" userDrawn="1">
+          <p15:clr>
+            <a:srgbClr val="FBAE40"/>
+          </p15:clr>
+        </p15:guide>
+        <p15:guide id="2" pos="3840" userDrawn="1">
+          <p15:clr>
+            <a:srgbClr val="FBAE40"/>
+          </p15:clr>
+        </p15:guide>
+      </p15:sldGuideLst>
+    </p:ext>
+  </p:extLst>
 </p:sldLayout>
 </file>
 
@@ -1826,7 +1896,7 @@
           <a:p>
             <a:fld id="{81E464DA-E57D-4306-9AB3-F724B27A4879}" type="datetimeFigureOut">
               <a:rPr lang="ko-KR" altLang="en-US" smtClean="0"/>
-              <a:t>2024-11-11</a:t>
+              <a:t>2024-11-12</a:t>
             </a:fld>
             <a:endParaRPr lang="ko-KR" altLang="en-US"/>
           </a:p>
@@ -1896,6 +1966,22 @@
   <p:clrMapOvr>
     <a:masterClrMapping/>
   </p:clrMapOvr>
+  <p:extLst>
+    <p:ext uri="{DCECCB84-F9BA-43D5-87BE-67443E8EF086}">
+      <p15:sldGuideLst xmlns:p15="http://schemas.microsoft.com/office/powerpoint/2012/main">
+        <p15:guide id="1" orient="horz" pos="2160" userDrawn="1">
+          <p15:clr>
+            <a:srgbClr val="FBAE40"/>
+          </p15:clr>
+        </p15:guide>
+        <p15:guide id="2" pos="3840" userDrawn="1">
+          <p15:clr>
+            <a:srgbClr val="FBAE40"/>
+          </p15:clr>
+        </p15:guide>
+      </p15:sldGuideLst>
+    </p:ext>
+  </p:extLst>
 </p:sldLayout>
 </file>
 
@@ -1967,7 +2053,7 @@
           <a:p>
             <a:fld id="{81E464DA-E57D-4306-9AB3-F724B27A4879}" type="datetimeFigureOut">
               <a:rPr lang="ko-KR" altLang="en-US" smtClean="0"/>
-              <a:t>2024-11-11</a:t>
+              <a:t>2024-11-12</a:t>
             </a:fld>
             <a:endParaRPr lang="ko-KR" altLang="en-US"/>
           </a:p>
@@ -2037,6 +2123,22 @@
   <p:clrMapOvr>
     <a:masterClrMapping/>
   </p:clrMapOvr>
+  <p:extLst>
+    <p:ext uri="{DCECCB84-F9BA-43D5-87BE-67443E8EF086}">
+      <p15:sldGuideLst xmlns:p15="http://schemas.microsoft.com/office/powerpoint/2012/main">
+        <p15:guide id="1" orient="horz" pos="2160" userDrawn="1">
+          <p15:clr>
+            <a:srgbClr val="FBAE40"/>
+          </p15:clr>
+        </p15:guide>
+        <p15:guide id="2" pos="3840" userDrawn="1">
+          <p15:clr>
+            <a:srgbClr val="FBAE40"/>
+          </p15:clr>
+        </p15:guide>
+      </p15:sldGuideLst>
+    </p:ext>
+  </p:extLst>
 </p:sldLayout>
 </file>
 
@@ -2080,7 +2182,7 @@
           <a:p>
             <a:fld id="{81E464DA-E57D-4306-9AB3-F724B27A4879}" type="datetimeFigureOut">
               <a:rPr lang="ko-KR" altLang="en-US" smtClean="0"/>
-              <a:t>2024-11-11</a:t>
+              <a:t>2024-11-12</a:t>
             </a:fld>
             <a:endParaRPr lang="ko-KR" altLang="en-US"/>
           </a:p>
@@ -2150,6 +2252,22 @@
   <p:clrMapOvr>
     <a:masterClrMapping/>
   </p:clrMapOvr>
+  <p:extLst>
+    <p:ext uri="{DCECCB84-F9BA-43D5-87BE-67443E8EF086}">
+      <p15:sldGuideLst xmlns:p15="http://schemas.microsoft.com/office/powerpoint/2012/main">
+        <p15:guide id="1" orient="horz" pos="2160" userDrawn="1">
+          <p15:clr>
+            <a:srgbClr val="FBAE40"/>
+          </p15:clr>
+        </p15:guide>
+        <p15:guide id="2" pos="3840" userDrawn="1">
+          <p15:clr>
+            <a:srgbClr val="FBAE40"/>
+          </p15:clr>
+        </p15:guide>
+      </p15:sldGuideLst>
+    </p:ext>
+  </p:extLst>
 </p:sldLayout>
 </file>
 
@@ -2391,7 +2509,7 @@
           <a:p>
             <a:fld id="{81E464DA-E57D-4306-9AB3-F724B27A4879}" type="datetimeFigureOut">
               <a:rPr lang="ko-KR" altLang="en-US" smtClean="0"/>
-              <a:t>2024-11-11</a:t>
+              <a:t>2024-11-12</a:t>
             </a:fld>
             <a:endParaRPr lang="ko-KR" altLang="en-US"/>
           </a:p>
@@ -2461,6 +2579,22 @@
   <p:clrMapOvr>
     <a:masterClrMapping/>
   </p:clrMapOvr>
+  <p:extLst>
+    <p:ext uri="{DCECCB84-F9BA-43D5-87BE-67443E8EF086}">
+      <p15:sldGuideLst xmlns:p15="http://schemas.microsoft.com/office/powerpoint/2012/main">
+        <p15:guide id="1" orient="horz" pos="2160" userDrawn="1">
+          <p15:clr>
+            <a:srgbClr val="FBAE40"/>
+          </p15:clr>
+        </p15:guide>
+        <p15:guide id="2" pos="3840" userDrawn="1">
+          <p15:clr>
+            <a:srgbClr val="FBAE40"/>
+          </p15:clr>
+        </p15:guide>
+      </p15:sldGuideLst>
+    </p:ext>
+  </p:extLst>
 </p:sldLayout>
 </file>
 
@@ -2679,7 +2813,7 @@
           <a:p>
             <a:fld id="{81E464DA-E57D-4306-9AB3-F724B27A4879}" type="datetimeFigureOut">
               <a:rPr lang="ko-KR" altLang="en-US" smtClean="0"/>
-              <a:t>2024-11-11</a:t>
+              <a:t>2024-11-12</a:t>
             </a:fld>
             <a:endParaRPr lang="ko-KR" altLang="en-US"/>
           </a:p>
@@ -2920,7 +3054,7 @@
           <a:p>
             <a:fld id="{81E464DA-E57D-4306-9AB3-F724B27A4879}" type="datetimeFigureOut">
               <a:rPr lang="ko-KR" altLang="en-US" smtClean="0"/>
-              <a:t>2024-11-11</a:t>
+              <a:t>2024-11-12</a:t>
             </a:fld>
             <a:endParaRPr lang="ko-KR" altLang="en-US"/>
           </a:p>
@@ -3461,6 +3595,800 @@
 </p:sld>
 </file>
 
+<file path=ppt/slides/slide2.xml><?xml version="1.0" encoding="utf-8"?>
+<p:sld xmlns:a="http://schemas.openxmlformats.org/drawingml/2006/main" xmlns:r="http://schemas.openxmlformats.org/officeDocument/2006/relationships" xmlns:p="http://schemas.openxmlformats.org/presentationml/2006/main">
+  <p:cSld>
+    <p:spTree>
+      <p:nvGrpSpPr>
+        <p:cNvPr id="1" name=""/>
+        <p:cNvGrpSpPr/>
+        <p:nvPr/>
+      </p:nvGrpSpPr>
+      <p:grpSpPr>
+        <a:xfrm>
+          <a:off x="0" y="0"/>
+          <a:ext cx="0" cy="0"/>
+          <a:chOff x="0" y="0"/>
+          <a:chExt cx="0" cy="0"/>
+        </a:xfrm>
+      </p:grpSpPr>
+      <p:pic>
+        <p:nvPicPr>
+          <p:cNvPr id="5" name="내용 개체 틀 4">
+            <a:extLst>
+              <a:ext uri="{FF2B5EF4-FFF2-40B4-BE49-F238E27FC236}">
+                <a16:creationId xmlns:a16="http://schemas.microsoft.com/office/drawing/2014/main" id="{CCC85191-3B6B-99F7-992D-6B2D896ABC23}"/>
+              </a:ext>
+            </a:extLst>
+          </p:cNvPr>
+          <p:cNvPicPr>
+            <a:picLocks noGrp="1" noChangeAspect="1"/>
+          </p:cNvPicPr>
+          <p:nvPr>
+            <p:ph idx="1"/>
+          </p:nvPr>
+        </p:nvPicPr>
+        <p:blipFill>
+          <a:blip r:embed="rId2">
+            <a:extLst>
+              <a:ext uri="{28A0092B-C50C-407E-A947-70E740481C1C}">
+                <a14:useLocalDpi xmlns:a14="http://schemas.microsoft.com/office/drawing/2010/main" val="0"/>
+              </a:ext>
+            </a:extLst>
+          </a:blip>
+          <a:srcRect l="50000"/>
+          <a:stretch/>
+        </p:blipFill>
+        <p:spPr>
+          <a:xfrm>
+            <a:off x="3208422" y="0"/>
+            <a:ext cx="5775156" cy="6858000"/>
+          </a:xfrm>
+        </p:spPr>
+      </p:pic>
+      <p:sp>
+        <p:nvSpPr>
+          <p:cNvPr id="6" name="TextBox 5">
+            <a:extLst>
+              <a:ext uri="{FF2B5EF4-FFF2-40B4-BE49-F238E27FC236}">
+                <a16:creationId xmlns:a16="http://schemas.microsoft.com/office/drawing/2014/main" id="{434931CC-87F6-F270-A251-69F2F07D38DA}"/>
+              </a:ext>
+            </a:extLst>
+          </p:cNvPr>
+          <p:cNvSpPr txBox="1"/>
+          <p:nvPr/>
+        </p:nvSpPr>
+        <p:spPr>
+          <a:xfrm>
+            <a:off x="3265054" y="3167390"/>
+            <a:ext cx="5661891" cy="523220"/>
+          </a:xfrm>
+          <a:prstGeom prst="rect">
+            <a:avLst/>
+          </a:prstGeom>
+          <a:solidFill>
+            <a:schemeClr val="tx1"/>
+          </a:solidFill>
+        </p:spPr>
+        <p:txBody>
+          <a:bodyPr wrap="square" rtlCol="0">
+            <a:spAutoFit/>
+          </a:bodyPr>
+          <a:lstStyle/>
+          <a:p>
+            <a:pPr algn="ctr"/>
+            <a:r>
+              <a:rPr lang="en-US" altLang="ko-KR" sz="2800" dirty="0">
+                <a:solidFill>
+                  <a:schemeClr val="bg1"/>
+                </a:solidFill>
+                <a:latin typeface="경기천년제목V Bold" panose="02020803020101020101" pitchFamily="18" charset="-127"/>
+                <a:ea typeface="경기천년제목V Bold" panose="02020803020101020101" pitchFamily="18" charset="-127"/>
+              </a:rPr>
+              <a:t>“</a:t>
+            </a:r>
+            <a:r>
+              <a:rPr lang="ko-KR" altLang="en-US" sz="2800" dirty="0">
+                <a:solidFill>
+                  <a:schemeClr val="bg1"/>
+                </a:solidFill>
+                <a:latin typeface="경기천년제목V Bold" panose="02020803020101020101" pitchFamily="18" charset="-127"/>
+                <a:ea typeface="경기천년제목V Bold" panose="02020803020101020101" pitchFamily="18" charset="-127"/>
+              </a:rPr>
+              <a:t>우리도 </a:t>
+            </a:r>
+            <a:r>
+              <a:rPr lang="en-US" altLang="ko-KR" sz="2800" dirty="0">
+                <a:solidFill>
+                  <a:schemeClr val="bg1"/>
+                </a:solidFill>
+                <a:latin typeface="경기천년제목V Bold" panose="02020803020101020101" pitchFamily="18" charset="-127"/>
+                <a:ea typeface="경기천년제목V Bold" panose="02020803020101020101" pitchFamily="18" charset="-127"/>
+              </a:rPr>
+              <a:t>AI</a:t>
+            </a:r>
+            <a:r>
+              <a:rPr lang="ko-KR" altLang="en-US" sz="2800" dirty="0">
+                <a:solidFill>
+                  <a:schemeClr val="bg1"/>
+                </a:solidFill>
+                <a:latin typeface="경기천년제목V Bold" panose="02020803020101020101" pitchFamily="18" charset="-127"/>
+                <a:ea typeface="경기천년제목V Bold" panose="02020803020101020101" pitchFamily="18" charset="-127"/>
+              </a:rPr>
+              <a:t>로 뭐 좀 만들어봐</a:t>
+            </a:r>
+            <a:r>
+              <a:rPr lang="en-US" altLang="ko-KR" sz="2800" dirty="0">
+                <a:solidFill>
+                  <a:schemeClr val="bg1"/>
+                </a:solidFill>
+                <a:latin typeface="경기천년제목V Bold" panose="02020803020101020101" pitchFamily="18" charset="-127"/>
+                <a:ea typeface="경기천년제목V Bold" panose="02020803020101020101" pitchFamily="18" charset="-127"/>
+              </a:rPr>
+              <a:t>”</a:t>
+            </a:r>
+            <a:r>
+              <a:rPr lang="ko-KR" altLang="en-US" sz="2800" dirty="0">
+                <a:solidFill>
+                  <a:schemeClr val="bg1"/>
+                </a:solidFill>
+                <a:latin typeface="경기천년제목V Bold" panose="02020803020101020101" pitchFamily="18" charset="-127"/>
+                <a:ea typeface="경기천년제목V Bold" panose="02020803020101020101" pitchFamily="18" charset="-127"/>
+              </a:rPr>
+              <a:t> </a:t>
+            </a:r>
+            <a:endParaRPr lang="en-US" altLang="ko-KR" sz="2800" dirty="0">
+              <a:solidFill>
+                <a:schemeClr val="bg1"/>
+              </a:solidFill>
+              <a:latin typeface="경기천년제목V Bold" panose="02020803020101020101" pitchFamily="18" charset="-127"/>
+              <a:ea typeface="경기천년제목V Bold" panose="02020803020101020101" pitchFamily="18" charset="-127"/>
+            </a:endParaRPr>
+          </a:p>
+        </p:txBody>
+      </p:sp>
+    </p:spTree>
+    <p:extLst>
+      <p:ext uri="{BB962C8B-B14F-4D97-AF65-F5344CB8AC3E}">
+        <p14:creationId xmlns:p14="http://schemas.microsoft.com/office/powerpoint/2010/main" val="4180774481"/>
+      </p:ext>
+    </p:extLst>
+  </p:cSld>
+  <p:clrMapOvr>
+    <a:masterClrMapping/>
+  </p:clrMapOvr>
+</p:sld>
+</file>
+
+<file path=ppt/slides/slide3.xml><?xml version="1.0" encoding="utf-8"?>
+<p:sld xmlns:a="http://schemas.openxmlformats.org/drawingml/2006/main" xmlns:r="http://schemas.openxmlformats.org/officeDocument/2006/relationships" xmlns:p="http://schemas.openxmlformats.org/presentationml/2006/main">
+  <p:cSld>
+    <p:spTree>
+      <p:nvGrpSpPr>
+        <p:cNvPr id="1" name=""/>
+        <p:cNvGrpSpPr/>
+        <p:nvPr/>
+      </p:nvGrpSpPr>
+      <p:grpSpPr>
+        <a:xfrm>
+          <a:off x="0" y="0"/>
+          <a:ext cx="0" cy="0"/>
+          <a:chOff x="0" y="0"/>
+          <a:chExt cx="0" cy="0"/>
+        </a:xfrm>
+      </p:grpSpPr>
+      <p:sp>
+        <p:nvSpPr>
+          <p:cNvPr id="2" name="제목 1">
+            <a:extLst>
+              <a:ext uri="{FF2B5EF4-FFF2-40B4-BE49-F238E27FC236}">
+                <a16:creationId xmlns:a16="http://schemas.microsoft.com/office/drawing/2014/main" id="{6848BBC9-ABB3-1A4B-BEB8-C171E9A5232F}"/>
+              </a:ext>
+            </a:extLst>
+          </p:cNvPr>
+          <p:cNvSpPr>
+            <a:spLocks noGrp="1"/>
+          </p:cNvSpPr>
+          <p:nvPr>
+            <p:ph type="title"/>
+          </p:nvPr>
+        </p:nvSpPr>
+        <p:spPr/>
+        <p:txBody>
+          <a:bodyPr/>
+          <a:lstStyle/>
+          <a:p>
+            <a:r>
+              <a:rPr lang="ko-KR" altLang="en-US" dirty="0"/>
+              <a:t>그래서 뭔가 </a:t>
+            </a:r>
+            <a:r>
+              <a:rPr lang="ko-KR" altLang="en-US" dirty="0" err="1"/>
+              <a:t>했었죠</a:t>
+            </a:r>
+            <a:r>
+              <a:rPr lang="en-US" altLang="ko-KR" dirty="0"/>
+              <a:t>? </a:t>
+            </a:r>
+            <a:r>
+              <a:rPr lang="ko-KR" altLang="en-US" dirty="0"/>
+              <a:t>분명히</a:t>
+            </a:r>
+            <a:r>
+              <a:rPr lang="en-US" altLang="ko-KR" dirty="0"/>
+              <a:t>…?</a:t>
+            </a:r>
+            <a:endParaRPr lang="ko-KR" altLang="en-US" dirty="0"/>
+          </a:p>
+        </p:txBody>
+      </p:sp>
+      <p:sp>
+        <p:nvSpPr>
+          <p:cNvPr id="3" name="내용 개체 틀 2">
+            <a:extLst>
+              <a:ext uri="{FF2B5EF4-FFF2-40B4-BE49-F238E27FC236}">
+                <a16:creationId xmlns:a16="http://schemas.microsoft.com/office/drawing/2014/main" id="{A7B5EF9E-FB09-A1F8-BFFD-B9AC9C1B5CB5}"/>
+              </a:ext>
+            </a:extLst>
+          </p:cNvPr>
+          <p:cNvSpPr>
+            <a:spLocks noGrp="1"/>
+          </p:cNvSpPr>
+          <p:nvPr>
+            <p:ph idx="1"/>
+          </p:nvPr>
+        </p:nvSpPr>
+        <p:spPr>
+          <a:xfrm>
+            <a:off x="838200" y="1797916"/>
+            <a:ext cx="10515600" cy="4351338"/>
+          </a:xfrm>
+        </p:spPr>
+        <p:txBody>
+          <a:bodyPr/>
+          <a:lstStyle/>
+          <a:p>
+            <a:r>
+              <a:rPr lang="en-US" altLang="ko-KR" dirty="0"/>
+              <a:t>‘2024</a:t>
+            </a:r>
+            <a:r>
+              <a:rPr lang="ko-KR" altLang="en-US" dirty="0"/>
+              <a:t>년 도지사 업무보고에 </a:t>
+            </a:r>
+            <a:r>
+              <a:rPr lang="en-US" altLang="ko-KR" dirty="0"/>
+              <a:t>AI</a:t>
+            </a:r>
+            <a:r>
+              <a:rPr lang="ko-KR" altLang="en-US" dirty="0"/>
+              <a:t>를 적극적으로 활용</a:t>
+            </a:r>
+            <a:r>
+              <a:rPr lang="en-US" altLang="ko-KR" dirty="0"/>
+              <a:t>’</a:t>
+            </a:r>
+            <a:r>
+              <a:rPr lang="ko-KR" altLang="en-US" dirty="0"/>
+              <a:t>해서 보고</a:t>
+            </a:r>
+            <a:endParaRPr lang="en-US" altLang="ko-KR" dirty="0"/>
+          </a:p>
+          <a:p>
+            <a:r>
+              <a:rPr lang="ko-KR" altLang="en-US" dirty="0"/>
+              <a:t>무분별한 </a:t>
+            </a:r>
+            <a:r>
+              <a:rPr lang="en-US" altLang="ko-KR" dirty="0"/>
+              <a:t>AI </a:t>
+            </a:r>
+            <a:r>
+              <a:rPr lang="ko-KR" altLang="en-US" dirty="0"/>
+              <a:t>공모전</a:t>
+            </a:r>
+            <a:endParaRPr lang="en-US" altLang="ko-KR" dirty="0"/>
+          </a:p>
+          <a:p>
+            <a:endParaRPr lang="en-US" altLang="ko-KR" dirty="0"/>
+          </a:p>
+          <a:p>
+            <a:endParaRPr lang="ko-KR" altLang="en-US" dirty="0"/>
+          </a:p>
+        </p:txBody>
+      </p:sp>
+      <p:grpSp>
+        <p:nvGrpSpPr>
+          <p:cNvPr id="8" name="그룹 7">
+            <a:extLst>
+              <a:ext uri="{FF2B5EF4-FFF2-40B4-BE49-F238E27FC236}">
+                <a16:creationId xmlns:a16="http://schemas.microsoft.com/office/drawing/2014/main" id="{6DEC53EF-B90C-4326-E09F-FA83EBD0C61A}"/>
+              </a:ext>
+            </a:extLst>
+          </p:cNvPr>
+          <p:cNvGrpSpPr/>
+          <p:nvPr/>
+        </p:nvGrpSpPr>
+        <p:grpSpPr>
+          <a:xfrm>
+            <a:off x="1727824" y="2986513"/>
+            <a:ext cx="8736352" cy="3162741"/>
+            <a:chOff x="1798782" y="2660429"/>
+            <a:chExt cx="8736352" cy="3162741"/>
+          </a:xfrm>
+        </p:grpSpPr>
+        <p:pic>
+          <p:nvPicPr>
+            <p:cNvPr id="5" name="그림 4">
+              <a:extLst>
+                <a:ext uri="{FF2B5EF4-FFF2-40B4-BE49-F238E27FC236}">
+                  <a16:creationId xmlns:a16="http://schemas.microsoft.com/office/drawing/2014/main" id="{5C12052D-A783-525E-2871-AFB3FFC50310}"/>
+                </a:ext>
+              </a:extLst>
+            </p:cNvPr>
+            <p:cNvPicPr>
+              <a:picLocks noChangeAspect="1"/>
+            </p:cNvPicPr>
+            <p:nvPr/>
+          </p:nvPicPr>
+          <p:blipFill>
+            <a:blip r:embed="rId2"/>
+            <a:stretch>
+              <a:fillRect/>
+            </a:stretch>
+          </p:blipFill>
+          <p:spPr>
+            <a:xfrm>
+              <a:off x="1798782" y="2660429"/>
+              <a:ext cx="5763429" cy="3162741"/>
+            </a:xfrm>
+            <a:prstGeom prst="rect">
+              <a:avLst/>
+            </a:prstGeom>
+          </p:spPr>
+        </p:pic>
+        <p:pic>
+          <p:nvPicPr>
+            <p:cNvPr id="7" name="그림 6">
+              <a:extLst>
+                <a:ext uri="{FF2B5EF4-FFF2-40B4-BE49-F238E27FC236}">
+                  <a16:creationId xmlns:a16="http://schemas.microsoft.com/office/drawing/2014/main" id="{850C53A8-E1A1-3CC4-AA4E-9A3E8C0ADEA9}"/>
+                </a:ext>
+              </a:extLst>
+            </p:cNvPr>
+            <p:cNvPicPr>
+              <a:picLocks noChangeAspect="1"/>
+            </p:cNvPicPr>
+            <p:nvPr/>
+          </p:nvPicPr>
+          <p:blipFill>
+            <a:blip r:embed="rId3"/>
+            <a:srcRect b="26222"/>
+            <a:stretch/>
+          </p:blipFill>
+          <p:spPr>
+            <a:xfrm>
+              <a:off x="7734393" y="2660429"/>
+              <a:ext cx="2800741" cy="3162741"/>
+            </a:xfrm>
+            <a:prstGeom prst="rect">
+              <a:avLst/>
+            </a:prstGeom>
+          </p:spPr>
+        </p:pic>
+      </p:grpSp>
+    </p:spTree>
+    <p:extLst>
+      <p:ext uri="{BB962C8B-B14F-4D97-AF65-F5344CB8AC3E}">
+        <p14:creationId xmlns:p14="http://schemas.microsoft.com/office/powerpoint/2010/main" val="1893912586"/>
+      </p:ext>
+    </p:extLst>
+  </p:cSld>
+  <p:clrMapOvr>
+    <a:masterClrMapping/>
+  </p:clrMapOvr>
+</p:sld>
+</file>
+
+<file path=ppt/slides/slide4.xml><?xml version="1.0" encoding="utf-8"?>
+<p:sld xmlns:a="http://schemas.openxmlformats.org/drawingml/2006/main" xmlns:r="http://schemas.openxmlformats.org/officeDocument/2006/relationships" xmlns:p="http://schemas.openxmlformats.org/presentationml/2006/main">
+  <p:cSld>
+    <p:spTree>
+      <p:nvGrpSpPr>
+        <p:cNvPr id="1" name=""/>
+        <p:cNvGrpSpPr/>
+        <p:nvPr/>
+      </p:nvGrpSpPr>
+      <p:grpSpPr>
+        <a:xfrm>
+          <a:off x="0" y="0"/>
+          <a:ext cx="0" cy="0"/>
+          <a:chOff x="0" y="0"/>
+          <a:chExt cx="0" cy="0"/>
+        </a:xfrm>
+      </p:grpSpPr>
+      <p:sp>
+        <p:nvSpPr>
+          <p:cNvPr id="2" name="제목 1">
+            <a:extLst>
+              <a:ext uri="{FF2B5EF4-FFF2-40B4-BE49-F238E27FC236}">
+                <a16:creationId xmlns:a16="http://schemas.microsoft.com/office/drawing/2014/main" id="{33A5DB2C-490E-E3D5-AC03-7CC939A5AF17}"/>
+              </a:ext>
+            </a:extLst>
+          </p:cNvPr>
+          <p:cNvSpPr>
+            <a:spLocks noGrp="1"/>
+          </p:cNvSpPr>
+          <p:nvPr>
+            <p:ph type="title"/>
+          </p:nvPr>
+        </p:nvSpPr>
+        <p:spPr/>
+        <p:txBody>
+          <a:bodyPr/>
+          <a:lstStyle/>
+          <a:p>
+            <a:endParaRPr lang="ko-KR" altLang="en-US"/>
+          </a:p>
+        </p:txBody>
+      </p:sp>
+      <p:sp>
+        <p:nvSpPr>
+          <p:cNvPr id="3" name="내용 개체 틀 2">
+            <a:extLst>
+              <a:ext uri="{FF2B5EF4-FFF2-40B4-BE49-F238E27FC236}">
+                <a16:creationId xmlns:a16="http://schemas.microsoft.com/office/drawing/2014/main" id="{1F8E9D95-86B8-91ED-330D-C7F30C0E99AD}"/>
+              </a:ext>
+            </a:extLst>
+          </p:cNvPr>
+          <p:cNvSpPr>
+            <a:spLocks noGrp="1"/>
+          </p:cNvSpPr>
+          <p:nvPr>
+            <p:ph idx="1"/>
+          </p:nvPr>
+        </p:nvSpPr>
+        <p:spPr/>
+        <p:txBody>
+          <a:bodyPr/>
+          <a:lstStyle/>
+          <a:p>
+            <a:endParaRPr lang="ko-KR" altLang="en-US" dirty="0"/>
+          </a:p>
+        </p:txBody>
+      </p:sp>
+      <p:pic>
+        <p:nvPicPr>
+          <p:cNvPr id="5" name="그림 4">
+            <a:extLst>
+              <a:ext uri="{FF2B5EF4-FFF2-40B4-BE49-F238E27FC236}">
+                <a16:creationId xmlns:a16="http://schemas.microsoft.com/office/drawing/2014/main" id="{792FAE93-3982-081C-891C-C3117B4D1FD4}"/>
+              </a:ext>
+            </a:extLst>
+          </p:cNvPr>
+          <p:cNvPicPr>
+            <a:picLocks noChangeAspect="1"/>
+          </p:cNvPicPr>
+          <p:nvPr/>
+        </p:nvPicPr>
+        <p:blipFill>
+          <a:blip r:embed="rId2"/>
+          <a:stretch>
+            <a:fillRect/>
+          </a:stretch>
+        </p:blipFill>
+        <p:spPr>
+          <a:xfrm>
+            <a:off x="2585547" y="661601"/>
+            <a:ext cx="7020905" cy="5534797"/>
+          </a:xfrm>
+          <a:prstGeom prst="rect">
+            <a:avLst/>
+          </a:prstGeom>
+        </p:spPr>
+      </p:pic>
+    </p:spTree>
+    <p:extLst>
+      <p:ext uri="{BB962C8B-B14F-4D97-AF65-F5344CB8AC3E}">
+        <p14:creationId xmlns:p14="http://schemas.microsoft.com/office/powerpoint/2010/main" val="1781474357"/>
+      </p:ext>
+    </p:extLst>
+  </p:cSld>
+  <p:clrMapOvr>
+    <a:masterClrMapping/>
+  </p:clrMapOvr>
+</p:sld>
+</file>
+
+<file path=ppt/slides/slide5.xml><?xml version="1.0" encoding="utf-8"?>
+<p:sld xmlns:a="http://schemas.openxmlformats.org/drawingml/2006/main" xmlns:r="http://schemas.openxmlformats.org/officeDocument/2006/relationships" xmlns:p="http://schemas.openxmlformats.org/presentationml/2006/main">
+  <p:cSld>
+    <p:spTree>
+      <p:nvGrpSpPr>
+        <p:cNvPr id="1" name=""/>
+        <p:cNvGrpSpPr/>
+        <p:nvPr/>
+      </p:nvGrpSpPr>
+      <p:grpSpPr>
+        <a:xfrm>
+          <a:off x="0" y="0"/>
+          <a:ext cx="0" cy="0"/>
+          <a:chOff x="0" y="0"/>
+          <a:chExt cx="0" cy="0"/>
+        </a:xfrm>
+      </p:grpSpPr>
+      <p:sp>
+        <p:nvSpPr>
+          <p:cNvPr id="2" name="제목 1">
+            <a:extLst>
+              <a:ext uri="{FF2B5EF4-FFF2-40B4-BE49-F238E27FC236}">
+                <a16:creationId xmlns:a16="http://schemas.microsoft.com/office/drawing/2014/main" id="{893854E8-F132-57D9-80E4-E5F487BA90DA}"/>
+              </a:ext>
+            </a:extLst>
+          </p:cNvPr>
+          <p:cNvSpPr>
+            <a:spLocks noGrp="1"/>
+          </p:cNvSpPr>
+          <p:nvPr>
+            <p:ph type="title"/>
+          </p:nvPr>
+        </p:nvSpPr>
+        <p:spPr/>
+        <p:txBody>
+          <a:bodyPr/>
+          <a:lstStyle/>
+          <a:p>
+            <a:endParaRPr lang="ko-KR" altLang="en-US"/>
+          </a:p>
+        </p:txBody>
+      </p:sp>
+      <p:sp>
+        <p:nvSpPr>
+          <p:cNvPr id="3" name="내용 개체 틀 2">
+            <a:extLst>
+              <a:ext uri="{FF2B5EF4-FFF2-40B4-BE49-F238E27FC236}">
+                <a16:creationId xmlns:a16="http://schemas.microsoft.com/office/drawing/2014/main" id="{11D0B261-8C5F-12F5-4C62-C5DC5631CBE6}"/>
+              </a:ext>
+            </a:extLst>
+          </p:cNvPr>
+          <p:cNvSpPr>
+            <a:spLocks noGrp="1"/>
+          </p:cNvSpPr>
+          <p:nvPr>
+            <p:ph idx="1"/>
+          </p:nvPr>
+        </p:nvSpPr>
+        <p:spPr/>
+        <p:txBody>
+          <a:bodyPr/>
+          <a:lstStyle/>
+          <a:p>
+            <a:endParaRPr lang="ko-KR" altLang="en-US" dirty="0"/>
+          </a:p>
+        </p:txBody>
+      </p:sp>
+      <p:pic>
+        <p:nvPicPr>
+          <p:cNvPr id="5" name="그림 4">
+            <a:extLst>
+              <a:ext uri="{FF2B5EF4-FFF2-40B4-BE49-F238E27FC236}">
+                <a16:creationId xmlns:a16="http://schemas.microsoft.com/office/drawing/2014/main" id="{99F68F55-2140-875F-499A-8D1A658DBA97}"/>
+              </a:ext>
+            </a:extLst>
+          </p:cNvPr>
+          <p:cNvPicPr>
+            <a:picLocks noChangeAspect="1"/>
+          </p:cNvPicPr>
+          <p:nvPr/>
+        </p:nvPicPr>
+        <p:blipFill>
+          <a:blip r:embed="rId2"/>
+          <a:stretch>
+            <a:fillRect/>
+          </a:stretch>
+        </p:blipFill>
+        <p:spPr>
+          <a:xfrm>
+            <a:off x="3847786" y="1595181"/>
+            <a:ext cx="4496427" cy="3667637"/>
+          </a:xfrm>
+          <a:prstGeom prst="rect">
+            <a:avLst/>
+          </a:prstGeom>
+        </p:spPr>
+      </p:pic>
+    </p:spTree>
+    <p:extLst>
+      <p:ext uri="{BB962C8B-B14F-4D97-AF65-F5344CB8AC3E}">
+        <p14:creationId xmlns:p14="http://schemas.microsoft.com/office/powerpoint/2010/main" val="4035834886"/>
+      </p:ext>
+    </p:extLst>
+  </p:cSld>
+  <p:clrMapOvr>
+    <a:masterClrMapping/>
+  </p:clrMapOvr>
+</p:sld>
+</file>
+
+<file path=ppt/slides/slide6.xml><?xml version="1.0" encoding="utf-8"?>
+<p:sld xmlns:a="http://schemas.openxmlformats.org/drawingml/2006/main" xmlns:r="http://schemas.openxmlformats.org/officeDocument/2006/relationships" xmlns:p="http://schemas.openxmlformats.org/presentationml/2006/main">
+  <p:cSld>
+    <p:spTree>
+      <p:nvGrpSpPr>
+        <p:cNvPr id="1" name=""/>
+        <p:cNvGrpSpPr/>
+        <p:nvPr/>
+      </p:nvGrpSpPr>
+      <p:grpSpPr>
+        <a:xfrm>
+          <a:off x="0" y="0"/>
+          <a:ext cx="0" cy="0"/>
+          <a:chOff x="0" y="0"/>
+          <a:chExt cx="0" cy="0"/>
+        </a:xfrm>
+      </p:grpSpPr>
+      <p:sp>
+        <p:nvSpPr>
+          <p:cNvPr id="2" name="제목 1">
+            <a:extLst>
+              <a:ext uri="{FF2B5EF4-FFF2-40B4-BE49-F238E27FC236}">
+                <a16:creationId xmlns:a16="http://schemas.microsoft.com/office/drawing/2014/main" id="{11A36FF6-DACD-7429-512B-F7753921C2E3}"/>
+              </a:ext>
+            </a:extLst>
+          </p:cNvPr>
+          <p:cNvSpPr>
+            <a:spLocks noGrp="1"/>
+          </p:cNvSpPr>
+          <p:nvPr>
+            <p:ph type="title"/>
+          </p:nvPr>
+        </p:nvSpPr>
+        <p:spPr/>
+        <p:txBody>
+          <a:bodyPr/>
+          <a:lstStyle/>
+          <a:p>
+            <a:r>
+              <a:rPr lang="en-US" altLang="ko-KR" dirty="0"/>
+              <a:t>AI</a:t>
+            </a:r>
+            <a:r>
+              <a:rPr lang="ko-KR" altLang="en-US" dirty="0"/>
+              <a:t>란 무엇인가</a:t>
+            </a:r>
+            <a:r>
+              <a:rPr lang="en-US" altLang="ko-KR" dirty="0"/>
+              <a:t>?</a:t>
+            </a:r>
+            <a:endParaRPr lang="ko-KR" altLang="en-US" dirty="0"/>
+          </a:p>
+        </p:txBody>
+      </p:sp>
+      <p:sp>
+        <p:nvSpPr>
+          <p:cNvPr id="3" name="내용 개체 틀 2">
+            <a:extLst>
+              <a:ext uri="{FF2B5EF4-FFF2-40B4-BE49-F238E27FC236}">
+                <a16:creationId xmlns:a16="http://schemas.microsoft.com/office/drawing/2014/main" id="{D55F8D9D-2F5F-7491-F179-77C41E5A6898}"/>
+              </a:ext>
+            </a:extLst>
+          </p:cNvPr>
+          <p:cNvSpPr>
+            <a:spLocks noGrp="1"/>
+          </p:cNvSpPr>
+          <p:nvPr>
+            <p:ph idx="1"/>
+          </p:nvPr>
+        </p:nvSpPr>
+        <p:spPr/>
+        <p:txBody>
+          <a:bodyPr/>
+          <a:lstStyle/>
+          <a:p>
+            <a:endParaRPr lang="ko-KR" altLang="en-US"/>
+          </a:p>
+        </p:txBody>
+      </p:sp>
+    </p:spTree>
+    <p:extLst>
+      <p:ext uri="{BB962C8B-B14F-4D97-AF65-F5344CB8AC3E}">
+        <p14:creationId xmlns:p14="http://schemas.microsoft.com/office/powerpoint/2010/main" val="995395435"/>
+      </p:ext>
+    </p:extLst>
+  </p:cSld>
+  <p:clrMapOvr>
+    <a:masterClrMapping/>
+  </p:clrMapOvr>
+</p:sld>
+</file>
+
+<file path=ppt/slides/slide7.xml><?xml version="1.0" encoding="utf-8"?>
+<p:sld xmlns:a="http://schemas.openxmlformats.org/drawingml/2006/main" xmlns:r="http://schemas.openxmlformats.org/officeDocument/2006/relationships" xmlns:p="http://schemas.openxmlformats.org/presentationml/2006/main">
+  <p:cSld>
+    <p:spTree>
+      <p:nvGrpSpPr>
+        <p:cNvPr id="1" name=""/>
+        <p:cNvGrpSpPr/>
+        <p:nvPr/>
+      </p:nvGrpSpPr>
+      <p:grpSpPr>
+        <a:xfrm>
+          <a:off x="0" y="0"/>
+          <a:ext cx="0" cy="0"/>
+          <a:chOff x="0" y="0"/>
+          <a:chExt cx="0" cy="0"/>
+        </a:xfrm>
+      </p:grpSpPr>
+      <p:sp>
+        <p:nvSpPr>
+          <p:cNvPr id="2" name="제목 1">
+            <a:extLst>
+              <a:ext uri="{FF2B5EF4-FFF2-40B4-BE49-F238E27FC236}">
+                <a16:creationId xmlns:a16="http://schemas.microsoft.com/office/drawing/2014/main" id="{18E5A75F-F0CE-3FDA-150A-42C3D98F64CE}"/>
+              </a:ext>
+            </a:extLst>
+          </p:cNvPr>
+          <p:cNvSpPr>
+            <a:spLocks noGrp="1"/>
+          </p:cNvSpPr>
+          <p:nvPr>
+            <p:ph type="title"/>
+          </p:nvPr>
+        </p:nvSpPr>
+        <p:spPr/>
+        <p:txBody>
+          <a:bodyPr/>
+          <a:lstStyle/>
+          <a:p>
+            <a:r>
+              <a:rPr lang="en-US" altLang="ko-KR" dirty="0"/>
+              <a:t>AI</a:t>
+            </a:r>
+            <a:r>
+              <a:rPr lang="ko-KR" altLang="en-US" dirty="0"/>
+              <a:t>의 역사</a:t>
+            </a:r>
+          </a:p>
+        </p:txBody>
+      </p:sp>
+      <p:sp>
+        <p:nvSpPr>
+          <p:cNvPr id="3" name="내용 개체 틀 2">
+            <a:extLst>
+              <a:ext uri="{FF2B5EF4-FFF2-40B4-BE49-F238E27FC236}">
+                <a16:creationId xmlns:a16="http://schemas.microsoft.com/office/drawing/2014/main" id="{4C5694BA-5A04-C06D-776A-CFE7B3779AED}"/>
+              </a:ext>
+            </a:extLst>
+          </p:cNvPr>
+          <p:cNvSpPr>
+            <a:spLocks noGrp="1"/>
+          </p:cNvSpPr>
+          <p:nvPr>
+            <p:ph idx="1"/>
+          </p:nvPr>
+        </p:nvSpPr>
+        <p:spPr/>
+        <p:txBody>
+          <a:bodyPr/>
+          <a:lstStyle/>
+          <a:p>
+            <a:endParaRPr lang="ko-KR" altLang="en-US"/>
+          </a:p>
+        </p:txBody>
+      </p:sp>
+    </p:spTree>
+    <p:extLst>
+      <p:ext uri="{BB962C8B-B14F-4D97-AF65-F5344CB8AC3E}">
+        <p14:creationId xmlns:p14="http://schemas.microsoft.com/office/powerpoint/2010/main" val="3481072193"/>
+      </p:ext>
+    </p:extLst>
+  </p:cSld>
+  <p:clrMapOvr>
+    <a:masterClrMapping/>
+  </p:clrMapOvr>
+</p:sld>
+</file>
+
 <file path=ppt/theme/theme1.xml><?xml version="1.0" encoding="utf-8"?>
 <a:theme xmlns:a="http://schemas.openxmlformats.org/drawingml/2006/main" name="Office 테마">
   <a:themeElements>
@@ -3502,110 +4430,16 @@
         <a:srgbClr val="954F72"/>
       </a:folHlink>
     </a:clrScheme>
-    <a:fontScheme name="Office">
+    <a:fontScheme name="사용자 지정 1">
       <a:majorFont>
-        <a:latin typeface="맑은 고딕" panose="020F0302020204030204"/>
-        <a:ea typeface=""/>
+        <a:latin typeface="경기천년제목V Bold"/>
+        <a:ea typeface="경기천년제목V Bold"/>
         <a:cs typeface=""/>
-        <a:font script="Jpan" typeface="游ゴシック Light"/>
-        <a:font script="Hang" typeface="맑은 고딕"/>
-        <a:font script="Hans" typeface="等线 Light"/>
-        <a:font script="Hant" typeface="新細明體"/>
-        <a:font script="Arab" typeface="Times New Roman"/>
-        <a:font script="Hebr" typeface="Times New Roman"/>
-        <a:font script="Thai" typeface="Angsana New"/>
-        <a:font script="Ethi" typeface="Nyala"/>
-        <a:font script="Beng" typeface="Vrinda"/>
-        <a:font script="Gujr" typeface="Shruti"/>
-        <a:font script="Khmr" typeface="MoolBoran"/>
-        <a:font script="Knda" typeface="Tunga"/>
-        <a:font script="Guru" typeface="Raavi"/>
-        <a:font script="Cans" typeface="Euphemia"/>
-        <a:font script="Cher" typeface="Plantagenet Cherokee"/>
-        <a:font script="Yiii" typeface="Microsoft Yi Baiti"/>
-        <a:font script="Tibt" typeface="Microsoft Himalaya"/>
-        <a:font script="Thaa" typeface="MV Boli"/>
-        <a:font script="Deva" typeface="Mangal"/>
-        <a:font script="Telu" typeface="Gautami"/>
-        <a:font script="Taml" typeface="Latha"/>
-        <a:font script="Syrc" typeface="Estrangelo Edessa"/>
-        <a:font script="Orya" typeface="Kalinga"/>
-        <a:font script="Mlym" typeface="Kartika"/>
-        <a:font script="Laoo" typeface="DokChampa"/>
-        <a:font script="Sinh" typeface="Iskoola Pota"/>
-        <a:font script="Mong" typeface="Mongolian Baiti"/>
-        <a:font script="Viet" typeface="Times New Roman"/>
-        <a:font script="Uigh" typeface="Microsoft Uighur"/>
-        <a:font script="Geor" typeface="Sylfaen"/>
-        <a:font script="Armn" typeface="Arial"/>
-        <a:font script="Bugi" typeface="Leelawadee UI"/>
-        <a:font script="Bopo" typeface="Microsoft JhengHei"/>
-        <a:font script="Java" typeface="Javanese Text"/>
-        <a:font script="Lisu" typeface="Segoe UI"/>
-        <a:font script="Mymr" typeface="Myanmar Text"/>
-        <a:font script="Nkoo" typeface="Ebrima"/>
-        <a:font script="Olck" typeface="Nirmala UI"/>
-        <a:font script="Osma" typeface="Ebrima"/>
-        <a:font script="Phag" typeface="Phagspa"/>
-        <a:font script="Syrn" typeface="Estrangelo Edessa"/>
-        <a:font script="Syrj" typeface="Estrangelo Edessa"/>
-        <a:font script="Syre" typeface="Estrangelo Edessa"/>
-        <a:font script="Sora" typeface="Nirmala UI"/>
-        <a:font script="Tale" typeface="Microsoft Tai Le"/>
-        <a:font script="Talu" typeface="Microsoft New Tai Lue"/>
-        <a:font script="Tfng" typeface="Ebrima"/>
       </a:majorFont>
       <a:minorFont>
-        <a:latin typeface="맑은 고딕" panose="020F0502020204030204"/>
-        <a:ea typeface=""/>
+        <a:latin typeface="경기천년제목 Light"/>
+        <a:ea typeface="경기천년제목 Light"/>
         <a:cs typeface=""/>
-        <a:font script="Jpan" typeface="游ゴシック"/>
-        <a:font script="Hang" typeface="맑은 고딕"/>
-        <a:font script="Hans" typeface="等线"/>
-        <a:font script="Hant" typeface="新細明體"/>
-        <a:font script="Arab" typeface="Arial"/>
-        <a:font script="Hebr" typeface="Arial"/>
-        <a:font script="Thai" typeface="Cordia New"/>
-        <a:font script="Ethi" typeface="Nyala"/>
-        <a:font script="Beng" typeface="Vrinda"/>
-        <a:font script="Gujr" typeface="Shruti"/>
-        <a:font script="Khmr" typeface="DaunPenh"/>
-        <a:font script="Knda" typeface="Tunga"/>
-        <a:font script="Guru" typeface="Raavi"/>
-        <a:font script="Cans" typeface="Euphemia"/>
-        <a:font script="Cher" typeface="Plantagenet Cherokee"/>
-        <a:font script="Yiii" typeface="Microsoft Yi Baiti"/>
-        <a:font script="Tibt" typeface="Microsoft Himalaya"/>
-        <a:font script="Thaa" typeface="MV Boli"/>
-        <a:font script="Deva" typeface="Mangal"/>
-        <a:font script="Telu" typeface="Gautami"/>
-        <a:font script="Taml" typeface="Latha"/>
-        <a:font script="Syrc" typeface="Estrangelo Edessa"/>
-        <a:font script="Orya" typeface="Kalinga"/>
-        <a:font script="Mlym" typeface="Kartika"/>
-        <a:font script="Laoo" typeface="DokChampa"/>
-        <a:font script="Sinh" typeface="Iskoola Pota"/>
-        <a:font script="Mong" typeface="Mongolian Baiti"/>
-        <a:font script="Viet" typeface="Arial"/>
-        <a:font script="Uigh" typeface="Microsoft Uighur"/>
-        <a:font script="Geor" typeface="Sylfaen"/>
-        <a:font script="Armn" typeface="Arial"/>
-        <a:font script="Bugi" typeface="Leelawadee UI"/>
-        <a:font script="Bopo" typeface="Microsoft JhengHei"/>
-        <a:font script="Java" typeface="Javanese Text"/>
-        <a:font script="Lisu" typeface="Segoe UI"/>
-        <a:font script="Mymr" typeface="Myanmar Text"/>
-        <a:font script="Nkoo" typeface="Ebrima"/>
-        <a:font script="Olck" typeface="Nirmala UI"/>
-        <a:font script="Osma" typeface="Ebrima"/>
-        <a:font script="Phag" typeface="Phagspa"/>
-        <a:font script="Syrn" typeface="Estrangelo Edessa"/>
-        <a:font script="Syrj" typeface="Estrangelo Edessa"/>
-        <a:font script="Syre" typeface="Estrangelo Edessa"/>
-        <a:font script="Sora" typeface="Nirmala UI"/>
-        <a:font script="Tale" typeface="Microsoft Tai Le"/>
-        <a:font script="Talu" typeface="Microsoft New Tai Lue"/>
-        <a:font script="Tfng" typeface="Ebrima"/>
       </a:minorFont>
     </a:fontScheme>
     <a:fmtScheme name="Office">
